--- a/Presentation-Slides-CSharp-EN/Chapter-0-Preface/01.Chapter-Overview.pptx
+++ b/Presentation-Slides-CSharp-EN/Chapter-0-Preface/01.Chapter-Overview.pptx
@@ -5,10 +5,10 @@
     <p:sldMasterId id="2147483660" r:id="rId2"/>
   </p:sldMasterIdLst>
   <p:notesMasterIdLst>
-    <p:notesMasterId r:id="rId10"/>
+    <p:notesMasterId r:id="rId11"/>
   </p:notesMasterIdLst>
   <p:handoutMasterIdLst>
-    <p:handoutMasterId r:id="rId11"/>
+    <p:handoutMasterId r:id="rId12"/>
   </p:handoutMasterIdLst>
   <p:sldIdLst>
     <p:sldId id="279" r:id="rId3"/>
@@ -17,7 +17,8 @@
     <p:sldId id="282" r:id="rId6"/>
     <p:sldId id="283" r:id="rId7"/>
     <p:sldId id="284" r:id="rId8"/>
-    <p:sldId id="278" r:id="rId9"/>
+    <p:sldId id="285" r:id="rId9"/>
+    <p:sldId id="278" r:id="rId10"/>
   </p:sldIdLst>
   <p:sldSz cx="12188825" cy="6858000"/>
   <p:notesSz cx="6858000" cy="9144000"/>
@@ -3727,6 +3728,16 @@
             </a:pPr>
             <a:r>
               <a:rPr lang="en-US" dirty="0"/>
+              <a:t>Exercises and Exams</a:t>
+            </a:r>
+          </a:p>
+          <a:p>
+            <a:pPr marL="514350" lvl="0" indent="-514350">
+              <a:buFont typeface="+mj-lt"/>
+              <a:buAutoNum type="arabicPeriod"/>
+            </a:pPr>
+            <a:r>
+              <a:rPr lang="en-US" dirty="0"/>
               <a:t>SoftUni and the SoftUni Judge System</a:t>
             </a:r>
           </a:p>
@@ -4097,6 +4108,55 @@
                                           <p:spTgt spid="444419">
                                             <p:txEl>
                                               <p:pRg st="6" end="6"/>
+                                            </p:txEl>
+                                          </p:spTgt>
+                                        </p:tgtEl>
+                                        <p:attrNameLst>
+                                          <p:attrName>style.visibility</p:attrName>
+                                        </p:attrNameLst>
+                                      </p:cBhvr>
+                                      <p:to>
+                                        <p:strVal val="visible"/>
+                                      </p:to>
+                                    </p:set>
+                                  </p:childTnLst>
+                                </p:cTn>
+                              </p:par>
+                            </p:childTnLst>
+                          </p:cTn>
+                        </p:par>
+                      </p:childTnLst>
+                    </p:cTn>
+                  </p:par>
+                  <p:par>
+                    <p:cTn id="27" fill="hold">
+                      <p:stCondLst>
+                        <p:cond delay="indefinite"/>
+                      </p:stCondLst>
+                      <p:childTnLst>
+                        <p:par>
+                          <p:cTn id="28" fill="hold">
+                            <p:stCondLst>
+                              <p:cond delay="0"/>
+                            </p:stCondLst>
+                            <p:childTnLst>
+                              <p:par>
+                                <p:cTn id="29" presetID="1" presetClass="entr" presetSubtype="0" fill="hold" nodeType="clickEffect">
+                                  <p:stCondLst>
+                                    <p:cond delay="0"/>
+                                  </p:stCondLst>
+                                  <p:childTnLst>
+                                    <p:set>
+                                      <p:cBhvr>
+                                        <p:cTn id="30" dur="1" fill="hold">
+                                          <p:stCondLst>
+                                            <p:cond delay="0"/>
+                                          </p:stCondLst>
+                                        </p:cTn>
+                                        <p:tgtEl>
+                                          <p:spTgt spid="444419">
+                                            <p:txEl>
+                                              <p:pRg st="7" end="7"/>
                                             </p:txEl>
                                           </p:spTgt>
                                         </p:tgtEl>
@@ -6471,6 +6531,422 @@
 </file>
 
 <file path=ppt/slides/slide7.xml><?xml version="1.0" encoding="utf-8"?>
+<p:sld xmlns:a="http://schemas.openxmlformats.org/drawingml/2006/main" xmlns:r="http://schemas.openxmlformats.org/officeDocument/2006/relationships" xmlns:p="http://schemas.openxmlformats.org/presentationml/2006/main">
+  <p:cSld>
+    <p:spTree>
+      <p:nvGrpSpPr>
+        <p:cNvPr id="1" name=""/>
+        <p:cNvGrpSpPr/>
+        <p:nvPr/>
+      </p:nvGrpSpPr>
+      <p:grpSpPr>
+        <a:xfrm>
+          <a:off x="0" y="0"/>
+          <a:ext cx="0" cy="0"/>
+          <a:chOff x="0" y="0"/>
+          <a:chExt cx="0" cy="0"/>
+        </a:xfrm>
+      </p:grpSpPr>
+      <p:sp>
+        <p:nvSpPr>
+          <p:cNvPr id="2" name="Slide Number Placeholder 1">
+            <a:extLst>
+              <a:ext uri="{FF2B5EF4-FFF2-40B4-BE49-F238E27FC236}">
+                <a16:creationId xmlns:a16="http://schemas.microsoft.com/office/drawing/2014/main" id="{0C162EA8-A62C-49E1-9DB2-524DB2354BB6}"/>
+              </a:ext>
+            </a:extLst>
+          </p:cNvPr>
+          <p:cNvSpPr>
+            <a:spLocks noGrp="1"/>
+          </p:cNvSpPr>
+          <p:nvPr>
+            <p:ph type="sldNum" sz="quarter" idx="4"/>
+          </p:nvPr>
+        </p:nvSpPr>
+        <p:spPr/>
+        <p:txBody>
+          <a:bodyPr/>
+          <a:lstStyle/>
+          <a:p>
+            <a:fld id="{C014DD1E-5D91-48A3-AD6D-45FBA980D106}" type="slidenum">
+              <a:rPr lang="en-US" smtClean="0"/>
+              <a:pPr/>
+              <a:t>7</a:t>
+            </a:fld>
+            <a:endParaRPr lang="en-US" dirty="0"/>
+          </a:p>
+        </p:txBody>
+      </p:sp>
+      <p:sp>
+        <p:nvSpPr>
+          <p:cNvPr id="3" name="Content Placeholder 2">
+            <a:extLst>
+              <a:ext uri="{FF2B5EF4-FFF2-40B4-BE49-F238E27FC236}">
+                <a16:creationId xmlns:a16="http://schemas.microsoft.com/office/drawing/2014/main" id="{6BC6BC80-0C27-4BB4-B894-819BF51E90C0}"/>
+              </a:ext>
+            </a:extLst>
+          </p:cNvPr>
+          <p:cNvSpPr>
+            <a:spLocks noGrp="1"/>
+          </p:cNvSpPr>
+          <p:nvPr>
+            <p:ph idx="1"/>
+          </p:nvPr>
+        </p:nvSpPr>
+        <p:spPr/>
+        <p:txBody>
+          <a:bodyPr/>
+          <a:lstStyle/>
+          <a:p>
+            <a:r>
+              <a:rPr lang="en-US" b="1" dirty="0">
+                <a:solidFill>
+                  <a:schemeClr val="tx2">
+                    <a:lumMod val="75000"/>
+                  </a:schemeClr>
+                </a:solidFill>
+              </a:rPr>
+              <a:t>Exercises</a:t>
+            </a:r>
+            <a:r>
+              <a:rPr lang="en-US" dirty="0"/>
+              <a:t> are extremely </a:t>
+            </a:r>
+            <a:r>
+              <a:rPr lang="en-US" dirty="0">
+                <a:solidFill>
+                  <a:schemeClr val="tx2">
+                    <a:lumMod val="75000"/>
+                  </a:schemeClr>
+                </a:solidFill>
+              </a:rPr>
+              <a:t>important</a:t>
+            </a:r>
+          </a:p>
+          <a:p>
+            <a:pPr lvl="1"/>
+            <a:r>
+              <a:rPr lang="en-US" dirty="0"/>
+              <a:t>You can't learning programming by watching videos</a:t>
+            </a:r>
+          </a:p>
+          <a:p>
+            <a:pPr lvl="1"/>
+            <a:r>
+              <a:rPr lang="en-US" dirty="0"/>
+              <a:t>Programming is learned by </a:t>
+            </a:r>
+            <a:r>
+              <a:rPr lang="en-US" dirty="0">
+                <a:solidFill>
+                  <a:schemeClr val="tx2">
+                    <a:lumMod val="75000"/>
+                  </a:schemeClr>
+                </a:solidFill>
+              </a:rPr>
+              <a:t>practice</a:t>
+            </a:r>
+            <a:r>
+              <a:rPr lang="en-US" dirty="0"/>
+              <a:t>: a lot of coding every day!</a:t>
+            </a:r>
+          </a:p>
+          <a:p>
+            <a:r>
+              <a:rPr lang="en-US" dirty="0"/>
+              <a:t>Each lesson is followed by:</a:t>
+            </a:r>
+          </a:p>
+          <a:p>
+            <a:pPr lvl="1"/>
+            <a:r>
+              <a:rPr lang="en-US" b="1" dirty="0">
+                <a:solidFill>
+                  <a:schemeClr val="tx2">
+                    <a:lumMod val="75000"/>
+                  </a:schemeClr>
+                </a:solidFill>
+              </a:rPr>
+              <a:t>10-20 exercises </a:t>
+            </a:r>
+            <a:r>
+              <a:rPr lang="en-US" dirty="0"/>
+              <a:t>– solve them to learn the concepts from the lesson in practice</a:t>
+            </a:r>
+          </a:p>
+          <a:p>
+            <a:pPr lvl="1"/>
+            <a:r>
+              <a:rPr lang="en-US" b="1" dirty="0">
+                <a:solidFill>
+                  <a:schemeClr val="tx2">
+                    <a:lumMod val="75000"/>
+                  </a:schemeClr>
+                </a:solidFill>
+              </a:rPr>
+              <a:t>5-6 exam problems</a:t>
+            </a:r>
+            <a:r>
+              <a:rPr lang="en-US" dirty="0"/>
+              <a:t> – solve them to prepare for a practical exam</a:t>
+            </a:r>
+          </a:p>
+          <a:p>
+            <a:r>
+              <a:rPr lang="en-US" dirty="0"/>
+              <a:t>Practical </a:t>
+            </a:r>
+            <a:r>
+              <a:rPr lang="en-US" dirty="0">
+                <a:solidFill>
+                  <a:schemeClr val="tx2">
+                    <a:lumMod val="75000"/>
+                  </a:schemeClr>
+                </a:solidFill>
+              </a:rPr>
+              <a:t>exam preparations</a:t>
+            </a:r>
+            <a:r>
+              <a:rPr lang="en-US" dirty="0"/>
+              <a:t>: prepare for the exam at SoftUni</a:t>
+            </a:r>
+          </a:p>
+        </p:txBody>
+      </p:sp>
+      <p:sp>
+        <p:nvSpPr>
+          <p:cNvPr id="4" name="Title 3">
+            <a:extLst>
+              <a:ext uri="{FF2B5EF4-FFF2-40B4-BE49-F238E27FC236}">
+                <a16:creationId xmlns:a16="http://schemas.microsoft.com/office/drawing/2014/main" id="{923C6E77-84D2-45EB-B22B-038F6D2417AA}"/>
+              </a:ext>
+            </a:extLst>
+          </p:cNvPr>
+          <p:cNvSpPr>
+            <a:spLocks noGrp="1"/>
+          </p:cNvSpPr>
+          <p:nvPr>
+            <p:ph type="title"/>
+          </p:nvPr>
+        </p:nvSpPr>
+        <p:spPr/>
+        <p:txBody>
+          <a:bodyPr>
+            <a:normAutofit/>
+          </a:bodyPr>
+          <a:lstStyle/>
+          <a:p>
+            <a:r>
+              <a:rPr lang="en-US" sz="4400" dirty="0"/>
+              <a:t>Exercises and Exams</a:t>
+            </a:r>
+          </a:p>
+        </p:txBody>
+      </p:sp>
+    </p:spTree>
+    <p:extLst>
+      <p:ext uri="{BB962C8B-B14F-4D97-AF65-F5344CB8AC3E}">
+        <p14:creationId xmlns:p14="http://schemas.microsoft.com/office/powerpoint/2010/main" val="2387675949"/>
+      </p:ext>
+    </p:extLst>
+  </p:cSld>
+  <p:clrMapOvr>
+    <a:masterClrMapping/>
+  </p:clrMapOvr>
+  <p:timing>
+    <p:tnLst>
+      <p:par>
+        <p:cTn id="1" dur="indefinite" restart="never" nodeType="tmRoot">
+          <p:childTnLst>
+            <p:seq concurrent="1" nextAc="seek">
+              <p:cTn id="2" dur="indefinite" nodeType="mainSeq">
+                <p:childTnLst>
+                  <p:par>
+                    <p:cTn id="3" fill="hold">
+                      <p:stCondLst>
+                        <p:cond delay="indefinite"/>
+                      </p:stCondLst>
+                      <p:childTnLst>
+                        <p:par>
+                          <p:cTn id="4" fill="hold">
+                            <p:stCondLst>
+                              <p:cond delay="0"/>
+                            </p:stCondLst>
+                            <p:childTnLst>
+                              <p:par>
+                                <p:cTn id="5" presetID="1" presetClass="entr" presetSubtype="0" fill="hold" nodeType="clickEffect">
+                                  <p:stCondLst>
+                                    <p:cond delay="0"/>
+                                  </p:stCondLst>
+                                  <p:childTnLst>
+                                    <p:set>
+                                      <p:cBhvr>
+                                        <p:cTn id="6" dur="1" fill="hold">
+                                          <p:stCondLst>
+                                            <p:cond delay="0"/>
+                                          </p:stCondLst>
+                                        </p:cTn>
+                                        <p:tgtEl>
+                                          <p:spTgt spid="3">
+                                            <p:txEl>
+                                              <p:pRg st="3" end="3"/>
+                                            </p:txEl>
+                                          </p:spTgt>
+                                        </p:tgtEl>
+                                        <p:attrNameLst>
+                                          <p:attrName>style.visibility</p:attrName>
+                                        </p:attrNameLst>
+                                      </p:cBhvr>
+                                      <p:to>
+                                        <p:strVal val="visible"/>
+                                      </p:to>
+                                    </p:set>
+                                  </p:childTnLst>
+                                </p:cTn>
+                              </p:par>
+                              <p:par>
+                                <p:cTn id="7" presetID="1" presetClass="entr" presetSubtype="0" fill="hold" nodeType="withEffect">
+                                  <p:stCondLst>
+                                    <p:cond delay="0"/>
+                                  </p:stCondLst>
+                                  <p:childTnLst>
+                                    <p:set>
+                                      <p:cBhvr>
+                                        <p:cTn id="8" dur="1" fill="hold">
+                                          <p:stCondLst>
+                                            <p:cond delay="0"/>
+                                          </p:stCondLst>
+                                        </p:cTn>
+                                        <p:tgtEl>
+                                          <p:spTgt spid="3">
+                                            <p:txEl>
+                                              <p:pRg st="4" end="4"/>
+                                            </p:txEl>
+                                          </p:spTgt>
+                                        </p:tgtEl>
+                                        <p:attrNameLst>
+                                          <p:attrName>style.visibility</p:attrName>
+                                        </p:attrNameLst>
+                                      </p:cBhvr>
+                                      <p:to>
+                                        <p:strVal val="visible"/>
+                                      </p:to>
+                                    </p:set>
+                                  </p:childTnLst>
+                                </p:cTn>
+                              </p:par>
+                              <p:par>
+                                <p:cTn id="9" presetID="1" presetClass="entr" presetSubtype="0" fill="hold" nodeType="withEffect">
+                                  <p:stCondLst>
+                                    <p:cond delay="0"/>
+                                  </p:stCondLst>
+                                  <p:childTnLst>
+                                    <p:set>
+                                      <p:cBhvr>
+                                        <p:cTn id="10" dur="1" fill="hold">
+                                          <p:stCondLst>
+                                            <p:cond delay="0"/>
+                                          </p:stCondLst>
+                                        </p:cTn>
+                                        <p:tgtEl>
+                                          <p:spTgt spid="3">
+                                            <p:txEl>
+                                              <p:pRg st="5" end="5"/>
+                                            </p:txEl>
+                                          </p:spTgt>
+                                        </p:tgtEl>
+                                        <p:attrNameLst>
+                                          <p:attrName>style.visibility</p:attrName>
+                                        </p:attrNameLst>
+                                      </p:cBhvr>
+                                      <p:to>
+                                        <p:strVal val="visible"/>
+                                      </p:to>
+                                    </p:set>
+                                  </p:childTnLst>
+                                </p:cTn>
+                              </p:par>
+                            </p:childTnLst>
+                          </p:cTn>
+                        </p:par>
+                      </p:childTnLst>
+                    </p:cTn>
+                  </p:par>
+                  <p:par>
+                    <p:cTn id="11" fill="hold">
+                      <p:stCondLst>
+                        <p:cond delay="indefinite"/>
+                      </p:stCondLst>
+                      <p:childTnLst>
+                        <p:par>
+                          <p:cTn id="12" fill="hold">
+                            <p:stCondLst>
+                              <p:cond delay="0"/>
+                            </p:stCondLst>
+                            <p:childTnLst>
+                              <p:par>
+                                <p:cTn id="13" presetID="1" presetClass="entr" presetSubtype="0" fill="hold" nodeType="clickEffect">
+                                  <p:stCondLst>
+                                    <p:cond delay="0"/>
+                                  </p:stCondLst>
+                                  <p:childTnLst>
+                                    <p:set>
+                                      <p:cBhvr>
+                                        <p:cTn id="14" dur="1" fill="hold">
+                                          <p:stCondLst>
+                                            <p:cond delay="0"/>
+                                          </p:stCondLst>
+                                        </p:cTn>
+                                        <p:tgtEl>
+                                          <p:spTgt spid="3">
+                                            <p:txEl>
+                                              <p:pRg st="6" end="6"/>
+                                            </p:txEl>
+                                          </p:spTgt>
+                                        </p:tgtEl>
+                                        <p:attrNameLst>
+                                          <p:attrName>style.visibility</p:attrName>
+                                        </p:attrNameLst>
+                                      </p:cBhvr>
+                                      <p:to>
+                                        <p:strVal val="visible"/>
+                                      </p:to>
+                                    </p:set>
+                                  </p:childTnLst>
+                                </p:cTn>
+                              </p:par>
+                            </p:childTnLst>
+                          </p:cTn>
+                        </p:par>
+                      </p:childTnLst>
+                    </p:cTn>
+                  </p:par>
+                </p:childTnLst>
+              </p:cTn>
+              <p:prevCondLst>
+                <p:cond evt="onPrev" delay="0">
+                  <p:tgtEl>
+                    <p:sldTgt/>
+                  </p:tgtEl>
+                </p:cond>
+              </p:prevCondLst>
+              <p:nextCondLst>
+                <p:cond evt="onNext" delay="0">
+                  <p:tgtEl>
+                    <p:sldTgt/>
+                  </p:tgtEl>
+                </p:cond>
+              </p:nextCondLst>
+            </p:seq>
+          </p:childTnLst>
+        </p:cTn>
+      </p:par>
+    </p:tnLst>
+  </p:timing>
+</p:sld>
+</file>
+
+<file path=ppt/slides/slide8.xml><?xml version="1.0" encoding="utf-8"?>
 <p:sld xmlns:a="http://schemas.openxmlformats.org/drawingml/2006/main" xmlns:r="http://schemas.openxmlformats.org/officeDocument/2006/relationships" xmlns:p="http://schemas.openxmlformats.org/presentationml/2006/main">
   <p:cSld>
     <p:spTree>

--- a/Presentation-Slides-CSharp-EN/Chapter-0-Preface/01.Chapter-Overview.pptx
+++ b/Presentation-Slides-CSharp-EN/Chapter-0-Preface/01.Chapter-Overview.pptx
@@ -233,7 +233,7 @@
             <a:fld id="{FE5B4EDC-59C0-49C7-8ADA-5A781B329E02}" type="datetimeFigureOut">
               <a:rPr lang="en-US"/>
               <a:pPr/>
-              <a:t>11-Feb-19</a:t>
+              <a:t>18-Feb-19</a:t>
             </a:fld>
             <a:endParaRPr dirty="0"/>
           </a:p>
@@ -432,7 +432,7 @@
             <a:fld id="{F2D8D46A-B586-417D-BFBD-8C8FE0AAF762}" type="datetimeFigureOut">
               <a:rPr lang="en-US" smtClean="0"/>
               <a:pPr/>
-              <a:t>11-Feb-19</a:t>
+              <a:t>18-Feb-19</a:t>
             </a:fld>
             <a:endParaRPr lang="en-US"/>
           </a:p>
@@ -1581,7 +1581,7 @@
             <a:fld id="{055373AC-9AA7-423B-BA00-BA1C74164DBD}" type="datetime1">
               <a:rPr lang="en-US" smtClean="0"/>
               <a:pPr/>
-              <a:t>11-Feb-19</a:t>
+              <a:t>18-Feb-19</a:t>
             </a:fld>
             <a:endParaRPr lang="en-US" dirty="0"/>
           </a:p>
@@ -2112,7 +2112,7 @@
             <a:fld id="{055373AC-9AA7-423B-BA00-BA1C74164DBD}" type="datetime1">
               <a:rPr lang="en-US" smtClean="0"/>
               <a:pPr/>
-              <a:t>11-Feb-19</a:t>
+              <a:t>18-Feb-19</a:t>
             </a:fld>
             <a:endParaRPr lang="en-US" dirty="0"/>
           </a:p>
@@ -2725,7 +2725,7 @@
           <a:p>
             <a:r>
               <a:rPr lang="en-US" dirty="0"/>
-              <a:t>Welcome to Our Free Coding</a:t>
+              <a:t>Comprehensive Coding Basics</a:t>
             </a:r>
             <a:br>
               <a:rPr lang="en-US" dirty="0"/>
@@ -3672,7 +3672,7 @@
         </p:nvSpPr>
         <p:spPr>
           <a:xfrm>
-            <a:off x="190414" y="1191467"/>
+            <a:off x="190414" y="1143000"/>
             <a:ext cx="8570998" cy="5530010"/>
           </a:xfrm>
         </p:spPr>
@@ -3808,8 +3808,8 @@
         </p:blipFill>
         <p:spPr>
           <a:xfrm>
-            <a:off x="8703874" y="2475724"/>
-            <a:ext cx="2972524" cy="3832855"/>
+            <a:off x="8838989" y="706586"/>
+            <a:ext cx="2702295" cy="3484414"/>
           </a:xfrm>
           <a:prstGeom prst="rect">
             <a:avLst/>
@@ -4962,7 +4962,7 @@
         <p:spPr>
           <a:xfrm>
             <a:off x="190413" y="1371600"/>
-            <a:ext cx="6208799" cy="5349876"/>
+            <a:ext cx="7046999" cy="5349876"/>
           </a:xfrm>
         </p:spPr>
         <p:txBody>
@@ -5861,7 +5861,7 @@
               <a:rPr lang="en-US" dirty="0">
                 <a:hlinkClick r:id="rId3"/>
               </a:rPr>
-              <a:t>https://judge.softuni.bg</a:t>
+              <a:t>https://judge.softuni.org</a:t>
             </a:r>
             <a:endParaRPr lang="en-US" dirty="0"/>
           </a:p>
